--- a/ppt/Body_Soul Fitness App.pptx
+++ b/ppt/Body_Soul Fitness App.pptx
@@ -32459,6 +32459,24 @@
 </file>
 
 <file path=customXml/item1.xml><?xml version="1.0" encoding="utf-8"?>
+<p:properties xmlns:p="http://schemas.microsoft.com/office/2006/metadata/properties" xmlns:xsi="http://www.w3.org/2001/XMLSchema-instance" xmlns:pc="http://schemas.microsoft.com/office/infopath/2007/PartnerControls">
+  <documentManagement>
+    <_ip_UnifiedCompliancePolicyUIAction xmlns="http://schemas.microsoft.com/sharepoint/v3" xsi:nil="true"/>
+    <_ip_UnifiedCompliancePolicyProperties xmlns="http://schemas.microsoft.com/sharepoint/v3" xsi:nil="true"/>
+  </documentManagement>
+</p:properties>
+</file>
+
+<file path=customXml/item2.xml><?xml version="1.0" encoding="utf-8"?>
+<?mso-contentType ?>
+<FormTemplates xmlns="http://schemas.microsoft.com/sharepoint/v3/contenttype/forms">
+  <Display>DocumentLibraryForm</Display>
+  <Edit>DocumentLibraryForm</Edit>
+  <New>DocumentLibraryForm</New>
+</FormTemplates>
+</file>
+
+<file path=customXml/item3.xml><?xml version="1.0" encoding="utf-8"?>
 <ct:contentTypeSchema xmlns:ct="http://schemas.microsoft.com/office/2006/metadata/contentType" xmlns:ma="http://schemas.microsoft.com/office/2006/metadata/properties/metaAttributes" ct:_="" ma:_="" ma:contentTypeName="Document" ma:contentTypeID="0x010100DEEA25CC0A0AC24199CDC46C25B8B0BC" ma:contentTypeVersion="10" ma:contentTypeDescription="Create a new document." ma:contentTypeScope="" ma:versionID="e3b47856d4cf355c0dacb39e1084d14f">
   <xsd:schema xmlns:xsd="http://www.w3.org/2001/XMLSchema" xmlns:xs="http://www.w3.org/2001/XMLSchema" xmlns:p="http://schemas.microsoft.com/office/2006/metadata/properties" xmlns:ns1="http://schemas.microsoft.com/sharepoint/v3" xmlns:ns2="6dc4bcd6-49db-4c07-9060-8acfc67cef9f" xmlns:ns3="fb0879af-3eba-417a-a55a-ffe6dcd6ca77" targetNamespace="http://schemas.microsoft.com/office/2006/metadata/properties" ma:root="true" ma:fieldsID="a845a615265fdb1f7b12cc65ac20ecbd" ns1:_="" ns2:_="" ns3:_="">
     <xsd:import namespace="http://schemas.microsoft.com/sharepoint/v3"/>
@@ -32666,25 +32684,33 @@
 </ct:contentTypeSchema>
 </file>
 
-<file path=customXml/item2.xml><?xml version="1.0" encoding="utf-8"?>
-<?mso-contentType ?>
-<FormTemplates xmlns="http://schemas.microsoft.com/sharepoint/v3/contenttype/forms">
-  <Display>DocumentLibraryForm</Display>
-  <Edit>DocumentLibraryForm</Edit>
-  <New>DocumentLibraryForm</New>
-</FormTemplates>
+<file path=customXml/itemProps1.xml><?xml version="1.0" encoding="utf-8"?>
+<ds:datastoreItem xmlns:ds="http://schemas.openxmlformats.org/officeDocument/2006/customXml" ds:itemID="{450439D9-8631-4FC1-BCE0-1BDB23425EE1}">
+  <ds:schemaRefs>
+    <ds:schemaRef ds:uri="fb0879af-3eba-417a-a55a-ffe6dcd6ca77"/>
+    <ds:schemaRef ds:uri="http://schemas.microsoft.com/office/2006/documentManagement/types"/>
+    <ds:schemaRef ds:uri="http://schemas.openxmlformats.org/package/2006/metadata/core-properties"/>
+    <ds:schemaRef ds:uri="http://purl.org/dc/terms/"/>
+    <ds:schemaRef ds:uri="http://www.w3.org/XML/1998/namespace"/>
+    <ds:schemaRef ds:uri="http://schemas.microsoft.com/sharepoint/v3"/>
+    <ds:schemaRef ds:uri="http://purl.org/dc/dcmitype/"/>
+    <ds:schemaRef ds:uri="http://purl.org/dc/elements/1.1/"/>
+    <ds:schemaRef ds:uri="http://schemas.microsoft.com/office/infopath/2007/PartnerControls"/>
+    <ds:schemaRef ds:uri="6dc4bcd6-49db-4c07-9060-8acfc67cef9f"/>
+    <ds:schemaRef ds:uri="http://schemas.microsoft.com/office/2006/metadata/properties"/>
+  </ds:schemaRefs>
+</ds:datastoreItem>
 </file>
 
-<file path=customXml/item3.xml><?xml version="1.0" encoding="utf-8"?>
-<p:properties xmlns:p="http://schemas.microsoft.com/office/2006/metadata/properties" xmlns:xsi="http://www.w3.org/2001/XMLSchema-instance" xmlns:pc="http://schemas.microsoft.com/office/infopath/2007/PartnerControls">
-  <documentManagement>
-    <_ip_UnifiedCompliancePolicyUIAction xmlns="http://schemas.microsoft.com/sharepoint/v3" xsi:nil="true"/>
-    <_ip_UnifiedCompliancePolicyProperties xmlns="http://schemas.microsoft.com/sharepoint/v3" xsi:nil="true"/>
-  </documentManagement>
-</p:properties>
+<file path=customXml/itemProps2.xml><?xml version="1.0" encoding="utf-8"?>
+<ds:datastoreItem xmlns:ds="http://schemas.openxmlformats.org/officeDocument/2006/customXml" ds:itemID="{723BE856-B6C2-4675-AE16-47A27D415D46}">
+  <ds:schemaRefs>
+    <ds:schemaRef ds:uri="http://schemas.microsoft.com/sharepoint/v3/contenttype/forms"/>
+  </ds:schemaRefs>
+</ds:datastoreItem>
 </file>
 
-<file path=customXml/itemProps1.xml><?xml version="1.0" encoding="utf-8"?>
+<file path=customXml/itemProps3.xml><?xml version="1.0" encoding="utf-8"?>
 <ds:datastoreItem xmlns:ds="http://schemas.openxmlformats.org/officeDocument/2006/customXml" ds:itemID="{67D8A4B1-1036-4F2B-9C1A-A86F68D31427}">
   <ds:schemaRefs>
     <ds:schemaRef ds:uri="http://schemas.microsoft.com/office/2006/metadata/contentType"/>
@@ -32702,30 +32728,4 @@
     <ds:schemaRef ds:uri="http://schemas.microsoft.com/internal/obd"/>
   </ds:schemaRefs>
 </ds:datastoreItem>
-</file>
-
-<file path=customXml/itemProps2.xml><?xml version="1.0" encoding="utf-8"?>
-<ds:datastoreItem xmlns:ds="http://schemas.openxmlformats.org/officeDocument/2006/customXml" ds:itemID="{723BE856-B6C2-4675-AE16-47A27D415D46}">
-  <ds:schemaRefs>
-    <ds:schemaRef ds:uri="http://schemas.microsoft.com/sharepoint/v3/contenttype/forms"/>
-  </ds:schemaRefs>
-</ds:datastoreItem>
-</file>
-
-<file path=customXml/itemProps3.xml><?xml version="1.0" encoding="utf-8"?>
-<ds:datastoreItem xmlns:ds="http://schemas.openxmlformats.org/officeDocument/2006/customXml" ds:itemID="{450439D9-8631-4FC1-BCE0-1BDB23425EE1}">
-  <ds:schemaRefs>
-    <ds:schemaRef ds:uri="fb0879af-3eba-417a-a55a-ffe6dcd6ca77"/>
-    <ds:schemaRef ds:uri="http://schemas.microsoft.com/office/2006/documentManagement/types"/>
-    <ds:schemaRef ds:uri="http://schemas.openxmlformats.org/package/2006/metadata/core-properties"/>
-    <ds:schemaRef ds:uri="http://purl.org/dc/terms/"/>
-    <ds:schemaRef ds:uri="http://www.w3.org/XML/1998/namespace"/>
-    <ds:schemaRef ds:uri="http://schemas.microsoft.com/sharepoint/v3"/>
-    <ds:schemaRef ds:uri="http://purl.org/dc/dcmitype/"/>
-    <ds:schemaRef ds:uri="http://purl.org/dc/elements/1.1/"/>
-    <ds:schemaRef ds:uri="http://schemas.microsoft.com/office/infopath/2007/PartnerControls"/>
-    <ds:schemaRef ds:uri="6dc4bcd6-49db-4c07-9060-8acfc67cef9f"/>
-    <ds:schemaRef ds:uri="http://schemas.microsoft.com/office/2006/metadata/properties"/>
-  </ds:schemaRefs>
-</ds:datastoreItem>
 </file>